--- a/slides/shiny_app_layout_slides.pptx
+++ b/slides/shiny_app_layout_slides.pptx
@@ -106,7 +106,176 @@
       </a:defRPr>
     </a:lvl9pPr>
   </p:defaultTextStyle>
+  <p:extLst>
+    <p:ext uri="{EFAFB233-063F-42B5-8137-9DF3F51BA10A}">
+      <p15:sldGuideLst xmlns:p15="http://schemas.microsoft.com/office/powerpoint/2012/main"/>
+    </p:ext>
+  </p:extLst>
 </p:presentation>
+</file>
+
+<file path=ppt/revisionInfo.xml><?xml version="1.0" encoding="utf-8"?>
+<p1510:revInfo xmlns:a="http://schemas.openxmlformats.org/drawingml/2006/main" xmlns:r="http://schemas.openxmlformats.org/officeDocument/2006/relationships" xmlns:p1510="http://schemas.microsoft.com/office/powerpoint/2015/10/main">
+  <p1510:revLst>
+    <p1510:client id="{A2AB717C-55A1-4463-BAB5-D4D75A0734E2}" v="2" dt="2023-09-26T18:46:06.204"/>
+  </p1510:revLst>
+</p1510:revInfo>
+</file>
+
+<file path=ppt/changesInfos/changesInfo1.xml><?xml version="1.0" encoding="utf-8"?>
+<pc:chgInfo xmlns:a="http://schemas.openxmlformats.org/drawingml/2006/main" xmlns:r="http://schemas.openxmlformats.org/officeDocument/2006/relationships" xmlns:ac="http://schemas.microsoft.com/office/drawing/2013/main/command" xmlns:pc="http://schemas.microsoft.com/office/powerpoint/2013/main/command">
+  <pc:docChgLst>
+    <pc:chgData name="sschenk@student.ubc.ca" userId="b2f3f786-26c0-415b-b8fc-6368ef7c0540" providerId="ADAL" clId="{A2AB717C-55A1-4463-BAB5-D4D75A0734E2}"/>
+    <pc:docChg chg="modSld">
+      <pc:chgData name="sschenk@student.ubc.ca" userId="b2f3f786-26c0-415b-b8fc-6368ef7c0540" providerId="ADAL" clId="{A2AB717C-55A1-4463-BAB5-D4D75A0734E2}" dt="2023-09-26T18:46:19.502" v="14" actId="14100"/>
+      <pc:docMkLst>
+        <pc:docMk/>
+      </pc:docMkLst>
+      <pc:sldChg chg="modSp mod">
+        <pc:chgData name="sschenk@student.ubc.ca" userId="b2f3f786-26c0-415b-b8fc-6368ef7c0540" providerId="ADAL" clId="{A2AB717C-55A1-4463-BAB5-D4D75A0734E2}" dt="2023-09-26T18:32:02.685" v="2" actId="1076"/>
+        <pc:sldMkLst>
+          <pc:docMk/>
+          <pc:sldMk cId="3658237813" sldId="256"/>
+        </pc:sldMkLst>
+        <pc:spChg chg="mod">
+          <ac:chgData name="sschenk@student.ubc.ca" userId="b2f3f786-26c0-415b-b8fc-6368ef7c0540" providerId="ADAL" clId="{A2AB717C-55A1-4463-BAB5-D4D75A0734E2}" dt="2023-09-26T18:32:02.685" v="2" actId="1076"/>
+          <ac:spMkLst>
+            <pc:docMk/>
+            <pc:sldMk cId="3658237813" sldId="256"/>
+            <ac:spMk id="13" creationId="{45A355C4-9E18-48E2-99C6-F68036F77E0F}"/>
+          </ac:spMkLst>
+        </pc:spChg>
+      </pc:sldChg>
+      <pc:sldChg chg="addSp modSp mod">
+        <pc:chgData name="sschenk@student.ubc.ca" userId="b2f3f786-26c0-415b-b8fc-6368ef7c0540" providerId="ADAL" clId="{A2AB717C-55A1-4463-BAB5-D4D75A0734E2}" dt="2023-09-26T18:46:19.502" v="14" actId="14100"/>
+        <pc:sldMkLst>
+          <pc:docMk/>
+          <pc:sldMk cId="833318106" sldId="258"/>
+        </pc:sldMkLst>
+        <pc:spChg chg="add mod">
+          <ac:chgData name="sschenk@student.ubc.ca" userId="b2f3f786-26c0-415b-b8fc-6368ef7c0540" providerId="ADAL" clId="{A2AB717C-55A1-4463-BAB5-D4D75A0734E2}" dt="2023-09-26T18:46:01.795" v="10" actId="208"/>
+          <ac:spMkLst>
+            <pc:docMk/>
+            <pc:sldMk cId="833318106" sldId="258"/>
+            <ac:spMk id="2" creationId="{1EAEAD64-4D91-5E11-19AC-9EB3CF9B51BF}"/>
+          </ac:spMkLst>
+        </pc:spChg>
+        <pc:spChg chg="add mod">
+          <ac:chgData name="sschenk@student.ubc.ca" userId="b2f3f786-26c0-415b-b8fc-6368ef7c0540" providerId="ADAL" clId="{A2AB717C-55A1-4463-BAB5-D4D75A0734E2}" dt="2023-09-26T18:46:13.695" v="13" actId="14100"/>
+          <ac:spMkLst>
+            <pc:docMk/>
+            <pc:sldMk cId="833318106" sldId="258"/>
+            <ac:spMk id="3" creationId="{204A53EB-6BE5-975C-A188-E3E3CCA29ADC}"/>
+          </ac:spMkLst>
+        </pc:spChg>
+        <pc:spChg chg="mod">
+          <ac:chgData name="sschenk@student.ubc.ca" userId="b2f3f786-26c0-415b-b8fc-6368ef7c0540" providerId="ADAL" clId="{A2AB717C-55A1-4463-BAB5-D4D75A0734E2}" dt="2023-09-26T18:32:11.806" v="3" actId="1076"/>
+          <ac:spMkLst>
+            <pc:docMk/>
+            <pc:sldMk cId="833318106" sldId="258"/>
+            <ac:spMk id="6" creationId="{7FC393A7-1D5C-1BAF-3EAE-7D536C50283D}"/>
+          </ac:spMkLst>
+        </pc:spChg>
+        <pc:spChg chg="mod">
+          <ac:chgData name="sschenk@student.ubc.ca" userId="b2f3f786-26c0-415b-b8fc-6368ef7c0540" providerId="ADAL" clId="{A2AB717C-55A1-4463-BAB5-D4D75A0734E2}" dt="2023-09-26T18:32:11.806" v="3" actId="1076"/>
+          <ac:spMkLst>
+            <pc:docMk/>
+            <pc:sldMk cId="833318106" sldId="258"/>
+            <ac:spMk id="8" creationId="{7BE3294F-D743-D507-046E-B2D3C14B28AB}"/>
+          </ac:spMkLst>
+        </pc:spChg>
+        <pc:spChg chg="mod">
+          <ac:chgData name="sschenk@student.ubc.ca" userId="b2f3f786-26c0-415b-b8fc-6368ef7c0540" providerId="ADAL" clId="{A2AB717C-55A1-4463-BAB5-D4D75A0734E2}" dt="2023-09-26T18:32:11.806" v="3" actId="1076"/>
+          <ac:spMkLst>
+            <pc:docMk/>
+            <pc:sldMk cId="833318106" sldId="258"/>
+            <ac:spMk id="30" creationId="{217E2D3E-7197-8B5C-789E-6EBB942C217C}"/>
+          </ac:spMkLst>
+        </pc:spChg>
+        <pc:spChg chg="mod">
+          <ac:chgData name="sschenk@student.ubc.ca" userId="b2f3f786-26c0-415b-b8fc-6368ef7c0540" providerId="ADAL" clId="{A2AB717C-55A1-4463-BAB5-D4D75A0734E2}" dt="2023-09-26T18:32:11.806" v="3" actId="1076"/>
+          <ac:spMkLst>
+            <pc:docMk/>
+            <pc:sldMk cId="833318106" sldId="258"/>
+            <ac:spMk id="31" creationId="{4CC415EA-D095-3166-085B-33BA9416F13A}"/>
+          </ac:spMkLst>
+        </pc:spChg>
+        <pc:spChg chg="mod">
+          <ac:chgData name="sschenk@student.ubc.ca" userId="b2f3f786-26c0-415b-b8fc-6368ef7c0540" providerId="ADAL" clId="{A2AB717C-55A1-4463-BAB5-D4D75A0734E2}" dt="2023-09-26T18:32:11.806" v="3" actId="1076"/>
+          <ac:spMkLst>
+            <pc:docMk/>
+            <pc:sldMk cId="833318106" sldId="258"/>
+            <ac:spMk id="32" creationId="{14B115CC-5FEF-D2F6-9F6F-B1BE5691153B}"/>
+          </ac:spMkLst>
+        </pc:spChg>
+        <pc:spChg chg="mod">
+          <ac:chgData name="sschenk@student.ubc.ca" userId="b2f3f786-26c0-415b-b8fc-6368ef7c0540" providerId="ADAL" clId="{A2AB717C-55A1-4463-BAB5-D4D75A0734E2}" dt="2023-09-26T18:32:11.806" v="3" actId="1076"/>
+          <ac:spMkLst>
+            <pc:docMk/>
+            <pc:sldMk cId="833318106" sldId="258"/>
+            <ac:spMk id="33" creationId="{C68408BD-A4FD-3062-DC3C-4E4C4F24688E}"/>
+          </ac:spMkLst>
+        </pc:spChg>
+        <pc:spChg chg="mod">
+          <ac:chgData name="sschenk@student.ubc.ca" userId="b2f3f786-26c0-415b-b8fc-6368ef7c0540" providerId="ADAL" clId="{A2AB717C-55A1-4463-BAB5-D4D75A0734E2}" dt="2023-09-26T18:32:11.806" v="3" actId="1076"/>
+          <ac:spMkLst>
+            <pc:docMk/>
+            <pc:sldMk cId="833318106" sldId="258"/>
+            <ac:spMk id="37" creationId="{E2ACDC37-8B4D-7621-2625-7D71F58B24E2}"/>
+          </ac:spMkLst>
+        </pc:spChg>
+        <pc:spChg chg="mod">
+          <ac:chgData name="sschenk@student.ubc.ca" userId="b2f3f786-26c0-415b-b8fc-6368ef7c0540" providerId="ADAL" clId="{A2AB717C-55A1-4463-BAB5-D4D75A0734E2}" dt="2023-09-26T18:32:11.806" v="3" actId="1076"/>
+          <ac:spMkLst>
+            <pc:docMk/>
+            <pc:sldMk cId="833318106" sldId="258"/>
+            <ac:spMk id="38" creationId="{A68703B7-CF3B-98AE-E419-CB272F4DC3CD}"/>
+          </ac:spMkLst>
+        </pc:spChg>
+        <pc:spChg chg="mod">
+          <ac:chgData name="sschenk@student.ubc.ca" userId="b2f3f786-26c0-415b-b8fc-6368ef7c0540" providerId="ADAL" clId="{A2AB717C-55A1-4463-BAB5-D4D75A0734E2}" dt="2023-09-26T18:32:11.806" v="3" actId="1076"/>
+          <ac:spMkLst>
+            <pc:docMk/>
+            <pc:sldMk cId="833318106" sldId="258"/>
+            <ac:spMk id="39" creationId="{D993CE23-3174-44D8-CAED-194747AA43C5}"/>
+          </ac:spMkLst>
+        </pc:spChg>
+        <pc:spChg chg="mod">
+          <ac:chgData name="sschenk@student.ubc.ca" userId="b2f3f786-26c0-415b-b8fc-6368ef7c0540" providerId="ADAL" clId="{A2AB717C-55A1-4463-BAB5-D4D75A0734E2}" dt="2023-09-26T18:32:11.806" v="3" actId="1076"/>
+          <ac:spMkLst>
+            <pc:docMk/>
+            <pc:sldMk cId="833318106" sldId="258"/>
+            <ac:spMk id="40" creationId="{809755FC-22F2-D0EC-DC2E-2BB7E5FB9742}"/>
+          </ac:spMkLst>
+        </pc:spChg>
+        <pc:picChg chg="mod">
+          <ac:chgData name="sschenk@student.ubc.ca" userId="b2f3f786-26c0-415b-b8fc-6368ef7c0540" providerId="ADAL" clId="{A2AB717C-55A1-4463-BAB5-D4D75A0734E2}" dt="2023-09-26T18:32:11.806" v="3" actId="1076"/>
+          <ac:picMkLst>
+            <pc:docMk/>
+            <pc:sldMk cId="833318106" sldId="258"/>
+            <ac:picMk id="5" creationId="{17D806EB-1151-3E70-A8F0-647621FE9A59}"/>
+          </ac:picMkLst>
+        </pc:picChg>
+        <pc:cxnChg chg="mod">
+          <ac:chgData name="sschenk@student.ubc.ca" userId="b2f3f786-26c0-415b-b8fc-6368ef7c0540" providerId="ADAL" clId="{A2AB717C-55A1-4463-BAB5-D4D75A0734E2}" dt="2023-09-26T18:46:19.502" v="14" actId="14100"/>
+          <ac:cxnSpMkLst>
+            <pc:docMk/>
+            <pc:sldMk cId="833318106" sldId="258"/>
+            <ac:cxnSpMk id="24" creationId="{E5FDEED1-20D6-2E37-4C5E-6C89B85D937E}"/>
+          </ac:cxnSpMkLst>
+        </pc:cxnChg>
+        <pc:cxnChg chg="mod">
+          <ac:chgData name="sschenk@student.ubc.ca" userId="b2f3f786-26c0-415b-b8fc-6368ef7c0540" providerId="ADAL" clId="{A2AB717C-55A1-4463-BAB5-D4D75A0734E2}" dt="2023-09-26T18:32:11.806" v="3" actId="1076"/>
+          <ac:cxnSpMkLst>
+            <pc:docMk/>
+            <pc:sldMk cId="833318106" sldId="258"/>
+            <ac:cxnSpMk id="26" creationId="{2A90FFF3-4353-2F2D-B17B-91DC8D61DA36}"/>
+          </ac:cxnSpMkLst>
+        </pc:cxnChg>
+      </pc:sldChg>
+    </pc:docChg>
+  </pc:docChgLst>
+</pc:chgInfo>
 </file>
 
 <file path=ppt/slideLayouts/slideLayout1.xml><?xml version="1.0" encoding="utf-8"?>
@@ -258,7 +427,7 @@
           <a:p>
             <a:fld id="{43E90FAC-9E57-4DC3-99CF-45F37D74AEFE}" type="datetimeFigureOut">
               <a:rPr lang="en-CA" smtClean="0"/>
-              <a:t>2023-09-20</a:t>
+              <a:t>2023-09-26</a:t>
             </a:fld>
             <a:endParaRPr lang="en-CA"/>
           </a:p>
@@ -458,7 +627,7 @@
           <a:p>
             <a:fld id="{43E90FAC-9E57-4DC3-99CF-45F37D74AEFE}" type="datetimeFigureOut">
               <a:rPr lang="en-CA" smtClean="0"/>
-              <a:t>2023-09-20</a:t>
+              <a:t>2023-09-26</a:t>
             </a:fld>
             <a:endParaRPr lang="en-CA"/>
           </a:p>
@@ -668,7 +837,7 @@
           <a:p>
             <a:fld id="{43E90FAC-9E57-4DC3-99CF-45F37D74AEFE}" type="datetimeFigureOut">
               <a:rPr lang="en-CA" smtClean="0"/>
-              <a:t>2023-09-20</a:t>
+              <a:t>2023-09-26</a:t>
             </a:fld>
             <a:endParaRPr lang="en-CA"/>
           </a:p>
@@ -868,7 +1037,7 @@
           <a:p>
             <a:fld id="{43E90FAC-9E57-4DC3-99CF-45F37D74AEFE}" type="datetimeFigureOut">
               <a:rPr lang="en-CA" smtClean="0"/>
-              <a:t>2023-09-20</a:t>
+              <a:t>2023-09-26</a:t>
             </a:fld>
             <a:endParaRPr lang="en-CA"/>
           </a:p>
@@ -1144,7 +1313,7 @@
           <a:p>
             <a:fld id="{43E90FAC-9E57-4DC3-99CF-45F37D74AEFE}" type="datetimeFigureOut">
               <a:rPr lang="en-CA" smtClean="0"/>
-              <a:t>2023-09-20</a:t>
+              <a:t>2023-09-26</a:t>
             </a:fld>
             <a:endParaRPr lang="en-CA"/>
           </a:p>
@@ -1412,7 +1581,7 @@
           <a:p>
             <a:fld id="{43E90FAC-9E57-4DC3-99CF-45F37D74AEFE}" type="datetimeFigureOut">
               <a:rPr lang="en-CA" smtClean="0"/>
-              <a:t>2023-09-20</a:t>
+              <a:t>2023-09-26</a:t>
             </a:fld>
             <a:endParaRPr lang="en-CA"/>
           </a:p>
@@ -1827,7 +1996,7 @@
           <a:p>
             <a:fld id="{43E90FAC-9E57-4DC3-99CF-45F37D74AEFE}" type="datetimeFigureOut">
               <a:rPr lang="en-CA" smtClean="0"/>
-              <a:t>2023-09-20</a:t>
+              <a:t>2023-09-26</a:t>
             </a:fld>
             <a:endParaRPr lang="en-CA"/>
           </a:p>
@@ -1969,7 +2138,7 @@
           <a:p>
             <a:fld id="{43E90FAC-9E57-4DC3-99CF-45F37D74AEFE}" type="datetimeFigureOut">
               <a:rPr lang="en-CA" smtClean="0"/>
-              <a:t>2023-09-20</a:t>
+              <a:t>2023-09-26</a:t>
             </a:fld>
             <a:endParaRPr lang="en-CA"/>
           </a:p>
@@ -2082,7 +2251,7 @@
           <a:p>
             <a:fld id="{43E90FAC-9E57-4DC3-99CF-45F37D74AEFE}" type="datetimeFigureOut">
               <a:rPr lang="en-CA" smtClean="0"/>
-              <a:t>2023-09-20</a:t>
+              <a:t>2023-09-26</a:t>
             </a:fld>
             <a:endParaRPr lang="en-CA"/>
           </a:p>
@@ -2395,7 +2564,7 @@
           <a:p>
             <a:fld id="{43E90FAC-9E57-4DC3-99CF-45F37D74AEFE}" type="datetimeFigureOut">
               <a:rPr lang="en-CA" smtClean="0"/>
-              <a:t>2023-09-20</a:t>
+              <a:t>2023-09-26</a:t>
             </a:fld>
             <a:endParaRPr lang="en-CA"/>
           </a:p>
@@ -2684,7 +2853,7 @@
           <a:p>
             <a:fld id="{43E90FAC-9E57-4DC3-99CF-45F37D74AEFE}" type="datetimeFigureOut">
               <a:rPr lang="en-CA" smtClean="0"/>
-              <a:t>2023-09-20</a:t>
+              <a:t>2023-09-26</a:t>
             </a:fld>
             <a:endParaRPr lang="en-CA"/>
           </a:p>
@@ -2927,7 +3096,7 @@
           <a:p>
             <a:fld id="{43E90FAC-9E57-4DC3-99CF-45F37D74AEFE}" type="datetimeFigureOut">
               <a:rPr lang="en-CA" smtClean="0"/>
-              <a:t>2023-09-20</a:t>
+              <a:t>2023-09-26</a:t>
             </a:fld>
             <a:endParaRPr lang="en-CA"/>
           </a:p>
@@ -3730,8 +3899,8 @@
         </p:nvSpPr>
         <p:spPr>
           <a:xfrm>
-            <a:off x="4710954" y="3413774"/>
-            <a:ext cx="5435847" cy="738664"/>
+            <a:off x="4710954" y="3115292"/>
+            <a:ext cx="5435847" cy="1169551"/>
           </a:xfrm>
           <a:prstGeom prst="rect">
             <a:avLst/>
@@ -3753,6 +3922,12 @@
             </a:r>
           </a:p>
           <a:p>
+            <a:endParaRPr lang="en-CA" sz="1400" dirty="0">
+              <a:latin typeface="Arial" panose="020B0604020202020204" pitchFamily="34" charset="0"/>
+              <a:cs typeface="Arial" panose="020B0604020202020204" pitchFamily="34" charset="0"/>
+            </a:endParaRPr>
+          </a:p>
+          <a:p>
             <a:r>
               <a:rPr lang="en-CA" sz="1400" dirty="0">
                 <a:latin typeface="Arial" panose="020B0604020202020204" pitchFamily="34" charset="0"/>
@@ -3774,6 +3949,12 @@
               </a:rPr>
               <a:t> (user interface): Anything people can interact with goes here.</a:t>
             </a:r>
+          </a:p>
+          <a:p>
+            <a:endParaRPr lang="en-CA" sz="1400" dirty="0">
+              <a:latin typeface="Arial" panose="020B0604020202020204" pitchFamily="34" charset="0"/>
+              <a:cs typeface="Arial" panose="020B0604020202020204" pitchFamily="34" charset="0"/>
+            </a:endParaRPr>
           </a:p>
           <a:p>
             <a:r>
@@ -4676,7 +4857,7 @@
         </p:blipFill>
         <p:spPr>
           <a:xfrm>
-            <a:off x="1407458" y="772036"/>
+            <a:off x="0" y="449307"/>
             <a:ext cx="12192000" cy="5959385"/>
           </a:xfrm>
           <a:prstGeom prst="rect">
@@ -4698,7 +4879,7 @@
         </p:nvSpPr>
         <p:spPr>
           <a:xfrm>
-            <a:off x="1398497" y="6320117"/>
+            <a:off x="-8961" y="5997388"/>
             <a:ext cx="4688541" cy="537883"/>
           </a:xfrm>
           <a:prstGeom prst="rect">
@@ -4752,7 +4933,7 @@
         </p:nvSpPr>
         <p:spPr>
           <a:xfrm>
-            <a:off x="1281955" y="564776"/>
+            <a:off x="-125503" y="242047"/>
             <a:ext cx="4805083" cy="1353671"/>
           </a:xfrm>
           <a:prstGeom prst="rect">
@@ -4808,8 +4989,8 @@
         </p:nvCxnSpPr>
         <p:spPr>
           <a:xfrm flipH="1">
-            <a:off x="4939552" y="1613647"/>
-            <a:ext cx="2563906" cy="3702423"/>
+            <a:off x="2020210" y="1290918"/>
+            <a:ext cx="4075790" cy="1308847"/>
           </a:xfrm>
           <a:prstGeom prst="straightConnector1">
             <a:avLst/>
@@ -4852,7 +5033,7 @@
         </p:nvCxnSpPr>
         <p:spPr>
           <a:xfrm>
-            <a:off x="2357717" y="5450541"/>
+            <a:off x="950259" y="5127812"/>
             <a:ext cx="896471" cy="233082"/>
           </a:xfrm>
           <a:prstGeom prst="straightConnector1">
@@ -4894,7 +5075,7 @@
         </p:nvSpPr>
         <p:spPr>
           <a:xfrm>
-            <a:off x="2716304" y="4693026"/>
+            <a:off x="1308846" y="4370297"/>
             <a:ext cx="385479" cy="233082"/>
           </a:xfrm>
           <a:prstGeom prst="rect">
@@ -4949,7 +5130,7 @@
         </p:nvSpPr>
         <p:spPr>
           <a:xfrm>
-            <a:off x="3128674" y="4697506"/>
+            <a:off x="1721216" y="4374777"/>
             <a:ext cx="448229" cy="233082"/>
           </a:xfrm>
           <a:prstGeom prst="rect">
@@ -5001,7 +5182,7 @@
         </p:nvSpPr>
         <p:spPr>
           <a:xfrm>
-            <a:off x="4424097" y="5244356"/>
+            <a:off x="3016639" y="4921627"/>
             <a:ext cx="318235" cy="233082"/>
           </a:xfrm>
           <a:prstGeom prst="rect">
@@ -5056,7 +5237,7 @@
         </p:nvSpPr>
         <p:spPr>
           <a:xfrm>
-            <a:off x="1891553" y="4899212"/>
+            <a:off x="484095" y="4576483"/>
             <a:ext cx="398916" cy="233082"/>
           </a:xfrm>
           <a:prstGeom prst="rect">
@@ -5108,7 +5289,7 @@
         </p:nvSpPr>
         <p:spPr>
           <a:xfrm>
-            <a:off x="2886634" y="3971366"/>
+            <a:off x="1479176" y="3648637"/>
             <a:ext cx="690269" cy="233082"/>
           </a:xfrm>
           <a:prstGeom prst="rect">
@@ -5162,7 +5343,7 @@
         </p:nvSpPr>
         <p:spPr>
           <a:xfrm>
-            <a:off x="2308388" y="4899650"/>
+            <a:off x="900930" y="4576921"/>
             <a:ext cx="475141" cy="233082"/>
           </a:xfrm>
           <a:prstGeom prst="rect">
@@ -5216,7 +5397,7 @@
         </p:nvSpPr>
         <p:spPr>
           <a:xfrm>
-            <a:off x="6203572" y="3464858"/>
+            <a:off x="4796114" y="3142129"/>
             <a:ext cx="702436" cy="307777"/>
           </a:xfrm>
           <a:prstGeom prst="rect">
@@ -5254,7 +5435,7 @@
         </p:nvSpPr>
         <p:spPr>
           <a:xfrm>
-            <a:off x="1739793" y="5344470"/>
+            <a:off x="332335" y="5021741"/>
             <a:ext cx="702436" cy="307777"/>
           </a:xfrm>
           <a:prstGeom prst="rect">
@@ -5275,6 +5456,122 @@
               </a:rPr>
               <a:t>Step 2</a:t>
             </a:r>
+          </a:p>
+        </p:txBody>
+      </p:sp>
+      <p:sp>
+        <p:nvSpPr>
+          <p:cNvPr id="2" name="Rectangle 1">
+            <a:extLst>
+              <a:ext uri="{FF2B5EF4-FFF2-40B4-BE49-F238E27FC236}">
+                <a16:creationId xmlns:a16="http://schemas.microsoft.com/office/drawing/2014/main" id="{1EAEAD64-4D91-5E11-19AC-9EB3CF9B51BF}"/>
+              </a:ext>
+            </a:extLst>
+          </p:cNvPr>
+          <p:cNvSpPr/>
+          <p:nvPr/>
+        </p:nvSpPr>
+        <p:spPr>
+          <a:xfrm>
+            <a:off x="3380369" y="4920634"/>
+            <a:ext cx="303485" cy="233082"/>
+          </a:xfrm>
+          <a:prstGeom prst="rect">
+            <a:avLst/>
+          </a:prstGeom>
+          <a:noFill/>
+          <a:ln w="28575">
+            <a:solidFill>
+              <a:schemeClr val="accent2">
+                <a:lumMod val="75000"/>
+              </a:schemeClr>
+            </a:solidFill>
+          </a:ln>
+        </p:spPr>
+        <p:style>
+          <a:lnRef idx="2">
+            <a:schemeClr val="accent1">
+              <a:shade val="15000"/>
+            </a:schemeClr>
+          </a:lnRef>
+          <a:fillRef idx="1">
+            <a:schemeClr val="accent1"/>
+          </a:fillRef>
+          <a:effectRef idx="0">
+            <a:schemeClr val="accent1"/>
+          </a:effectRef>
+          <a:fontRef idx="minor">
+            <a:schemeClr val="lt1"/>
+          </a:fontRef>
+        </p:style>
+        <p:txBody>
+          <a:bodyPr rtlCol="0" anchor="ctr"/>
+          <a:lstStyle/>
+          <a:p>
+            <a:pPr algn="ctr"/>
+            <a:endParaRPr lang="en-CA">
+              <a:solidFill>
+                <a:srgbClr val="FFC000"/>
+              </a:solidFill>
+            </a:endParaRPr>
+          </a:p>
+        </p:txBody>
+      </p:sp>
+      <p:sp>
+        <p:nvSpPr>
+          <p:cNvPr id="3" name="Rectangle 2">
+            <a:extLst>
+              <a:ext uri="{FF2B5EF4-FFF2-40B4-BE49-F238E27FC236}">
+                <a16:creationId xmlns:a16="http://schemas.microsoft.com/office/drawing/2014/main" id="{204A53EB-6BE5-975C-A188-E3E3CCA29ADC}"/>
+              </a:ext>
+            </a:extLst>
+          </p:cNvPr>
+          <p:cNvSpPr/>
+          <p:nvPr/>
+        </p:nvSpPr>
+        <p:spPr>
+          <a:xfrm>
+            <a:off x="1641845" y="2599765"/>
+            <a:ext cx="332870" cy="196246"/>
+          </a:xfrm>
+          <a:prstGeom prst="rect">
+            <a:avLst/>
+          </a:prstGeom>
+          <a:noFill/>
+          <a:ln w="28575">
+            <a:solidFill>
+              <a:schemeClr val="accent2">
+                <a:lumMod val="75000"/>
+              </a:schemeClr>
+            </a:solidFill>
+          </a:ln>
+        </p:spPr>
+        <p:style>
+          <a:lnRef idx="2">
+            <a:schemeClr val="accent1">
+              <a:shade val="15000"/>
+            </a:schemeClr>
+          </a:lnRef>
+          <a:fillRef idx="1">
+            <a:schemeClr val="accent1"/>
+          </a:fillRef>
+          <a:effectRef idx="0">
+            <a:schemeClr val="accent1"/>
+          </a:effectRef>
+          <a:fontRef idx="minor">
+            <a:schemeClr val="lt1"/>
+          </a:fontRef>
+        </p:style>
+        <p:txBody>
+          <a:bodyPr rtlCol="0" anchor="ctr"/>
+          <a:lstStyle/>
+          <a:p>
+            <a:pPr algn="ctr"/>
+            <a:endParaRPr lang="en-CA">
+              <a:solidFill>
+                <a:srgbClr val="FFC000"/>
+              </a:solidFill>
+            </a:endParaRPr>
           </a:p>
         </p:txBody>
       </p:sp>
